--- a/Material/ppt/3_Python_Functions.pptx
+++ b/Material/ppt/3_Python_Functions.pptx
@@ -5,10 +5,10 @@
     <p:sldMasterId id="2147483648" r:id="rId4"/>
   </p:sldMasterIdLst>
   <p:notesMasterIdLst>
-    <p:notesMasterId r:id="rId41"/>
+    <p:notesMasterId r:id="rId42"/>
   </p:notesMasterIdLst>
   <p:handoutMasterIdLst>
-    <p:handoutMasterId r:id="rId42"/>
+    <p:handoutMasterId r:id="rId43"/>
   </p:handoutMasterIdLst>
   <p:sldIdLst>
     <p:sldId id="281" r:id="rId5"/>
@@ -44,14 +44,15 @@
     <p:sldId id="368" r:id="rId35"/>
     <p:sldId id="370" r:id="rId36"/>
     <p:sldId id="371" r:id="rId37"/>
-    <p:sldId id="367" r:id="rId38"/>
-    <p:sldId id="322" r:id="rId39"/>
-    <p:sldId id="342" r:id="rId40"/>
+    <p:sldId id="377" r:id="rId38"/>
+    <p:sldId id="367" r:id="rId39"/>
+    <p:sldId id="322" r:id="rId40"/>
+    <p:sldId id="342" r:id="rId41"/>
   </p:sldIdLst>
   <p:sldSz cx="9144000" cy="6858000" type="screen4x3"/>
   <p:notesSz cx="6858000" cy="9144000"/>
   <p:custDataLst>
-    <p:tags r:id="rId43"/>
+    <p:tags r:id="rId44"/>
   </p:custDataLst>
   <p:defaultTextStyle>
     <a:defPPr>
@@ -186,6 +187,7 @@
             <p14:sldId id="368"/>
             <p14:sldId id="370"/>
             <p14:sldId id="371"/>
+            <p14:sldId id="377"/>
             <p14:sldId id="367"/>
             <p14:sldId id="322"/>
             <p14:sldId id="342"/>
@@ -296,7 +298,7 @@
           <a:p>
             <a:fld id="{A73B3874-4EDE-4EDC-B525-8967D0BF9027}" type="datetimeFigureOut">
               <a:rPr lang="en-IN" smtClean="0"/>
-              <a:t>19/01/21</a:t>
+              <a:t>20/12/23</a:t>
             </a:fld>
             <a:endParaRPr lang="en-IN"/>
           </a:p>
@@ -461,7 +463,7 @@
           <a:p>
             <a:fld id="{FBA77E9D-1F26-455B-9FC4-1E2D7C5371B8}" type="datetimeFigureOut">
               <a:rPr lang="en-US" smtClean="0"/>
-              <a:t>1/19/21</a:t>
+              <a:t>12/20/23</a:t>
             </a:fld>
             <a:endParaRPr lang="en-US" dirty="0"/>
           </a:p>
@@ -14509,6 +14511,192 @@
       </p:grpSpPr>
       <p:sp>
         <p:nvSpPr>
+          <p:cNvPr id="2" name="Title 1">
+            <a:extLst>
+              <a:ext uri="{FF2B5EF4-FFF2-40B4-BE49-F238E27FC236}">
+                <a16:creationId xmlns:a16="http://schemas.microsoft.com/office/drawing/2014/main" id="{1F4C1FEB-DFD4-7D3C-08F9-544403FD3603}"/>
+              </a:ext>
+            </a:extLst>
+          </p:cNvPr>
+          <p:cNvSpPr>
+            <a:spLocks noGrp="1"/>
+          </p:cNvSpPr>
+          <p:nvPr>
+            <p:ph type="title"/>
+          </p:nvPr>
+        </p:nvSpPr>
+        <p:spPr/>
+        <p:txBody>
+          <a:bodyPr/>
+          <a:lstStyle/>
+          <a:p>
+            <a:endParaRPr lang="en-US"/>
+          </a:p>
+        </p:txBody>
+      </p:sp>
+      <p:sp>
+        <p:nvSpPr>
+          <p:cNvPr id="3" name="Text Placeholder 2">
+            <a:extLst>
+              <a:ext uri="{FF2B5EF4-FFF2-40B4-BE49-F238E27FC236}">
+                <a16:creationId xmlns:a16="http://schemas.microsoft.com/office/drawing/2014/main" id="{12C0F697-5C56-45C1-D4B6-901246F4A07B}"/>
+              </a:ext>
+            </a:extLst>
+          </p:cNvPr>
+          <p:cNvSpPr>
+            <a:spLocks noGrp="1"/>
+          </p:cNvSpPr>
+          <p:nvPr>
+            <p:ph type="body" sz="quarter" idx="10"/>
+          </p:nvPr>
+        </p:nvSpPr>
+        <p:spPr/>
+        <p:txBody>
+          <a:bodyPr>
+            <a:normAutofit fontScale="92500" lnSpcReduction="10000"/>
+          </a:bodyPr>
+          <a:lstStyle/>
+          <a:p>
+            <a:r>
+              <a:rPr lang="en-US" dirty="0"/>
+              <a:t>1. Create a list as follows with every word from the sentence, use map</a:t>
+            </a:r>
+          </a:p>
+          <a:p>
+            <a:r>
+              <a:rPr lang="en-US" dirty="0"/>
+              <a:t>Ex: 'Python lambdas are cool'</a:t>
+            </a:r>
+          </a:p>
+          <a:p>
+            <a:r>
+              <a:rPr lang="en-US" dirty="0"/>
+              <a:t>Output:</a:t>
+            </a:r>
+          </a:p>
+          <a:p>
+            <a:r>
+              <a:rPr lang="en-US" dirty="0"/>
+              <a:t>['PYTHON','python',6]</a:t>
+            </a:r>
+          </a:p>
+          <a:p>
+            <a:r>
+              <a:rPr lang="en-US" dirty="0"/>
+              <a:t>['LAMBDAS','lambdas',7]</a:t>
+            </a:r>
+          </a:p>
+          <a:p>
+            <a:r>
+              <a:rPr lang="en-US" dirty="0"/>
+              <a:t>['ARE','are',3]</a:t>
+            </a:r>
+          </a:p>
+          <a:p>
+            <a:r>
+              <a:rPr lang="en-US" dirty="0"/>
+              <a:t>['COOL','cool',4]</a:t>
+            </a:r>
+          </a:p>
+          <a:p>
+            <a:r>
+              <a:rPr lang="en-US" dirty="0"/>
+              <a:t>'''</a:t>
+            </a:r>
+          </a:p>
+          <a:p>
+            <a:r>
+              <a:rPr lang="en-US" dirty="0"/>
+              <a:t>sentence = 'Python lambdas are cool'</a:t>
+            </a:r>
+          </a:p>
+          <a:p>
+            <a:r>
+              <a:rPr lang="en-US" dirty="0"/>
+              <a:t>res = map(lambda word: [</a:t>
+            </a:r>
+            <a:r>
+              <a:rPr lang="en-US" dirty="0" err="1"/>
+              <a:t>word.upper</a:t>
+            </a:r>
+            <a:r>
+              <a:rPr lang="en-US" dirty="0"/>
+              <a:t>(), </a:t>
+            </a:r>
+            <a:r>
+              <a:rPr lang="en-US" dirty="0" err="1"/>
+              <a:t>word.lower</a:t>
+            </a:r>
+            <a:r>
+              <a:rPr lang="en-US" dirty="0"/>
+              <a:t>(), </a:t>
+            </a:r>
+            <a:r>
+              <a:rPr lang="en-US" dirty="0" err="1"/>
+              <a:t>len</a:t>
+            </a:r>
+            <a:r>
+              <a:rPr lang="en-US" dirty="0"/>
+              <a:t>(word)], </a:t>
+            </a:r>
+            <a:r>
+              <a:rPr lang="en-US" dirty="0" err="1"/>
+              <a:t>sentence.split</a:t>
+            </a:r>
+            <a:r>
+              <a:rPr lang="en-US" dirty="0"/>
+              <a:t>())</a:t>
+            </a:r>
+          </a:p>
+          <a:p>
+            <a:r>
+              <a:rPr lang="en-US" dirty="0"/>
+              <a:t>for r in res:</a:t>
+            </a:r>
+          </a:p>
+          <a:p>
+            <a:r>
+              <a:rPr lang="en-US"/>
+              <a:t>print(r)</a:t>
+            </a:r>
+          </a:p>
+          <a:p>
+            <a:endParaRPr lang="en-US"/>
+          </a:p>
+        </p:txBody>
+      </p:sp>
+    </p:spTree>
+    <p:extLst>
+      <p:ext uri="{BB962C8B-B14F-4D97-AF65-F5344CB8AC3E}">
+        <p14:creationId xmlns:p14="http://schemas.microsoft.com/office/powerpoint/2010/main" val="606708671"/>
+      </p:ext>
+    </p:extLst>
+  </p:cSld>
+  <p:clrMapOvr>
+    <a:masterClrMapping/>
+  </p:clrMapOvr>
+</p:sld>
+</file>
+
+<file path=ppt/slides/slide35.xml><?xml version="1.0" encoding="utf-8"?>
+<p:sld xmlns:a="http://schemas.openxmlformats.org/drawingml/2006/main" xmlns:r="http://schemas.openxmlformats.org/officeDocument/2006/relationships" xmlns:p="http://schemas.openxmlformats.org/presentationml/2006/main">
+  <p:cSld>
+    <p:spTree>
+      <p:nvGrpSpPr>
+        <p:cNvPr id="1" name=""/>
+        <p:cNvGrpSpPr/>
+        <p:nvPr/>
+      </p:nvGrpSpPr>
+      <p:grpSpPr>
+        <a:xfrm>
+          <a:off x="0" y="0"/>
+          <a:ext cx="0" cy="0"/>
+          <a:chOff x="0" y="0"/>
+          <a:chExt cx="0" cy="0"/>
+        </a:xfrm>
+      </p:grpSpPr>
+      <p:sp>
+        <p:nvSpPr>
           <p:cNvPr id="4" name="Rectangle 3"/>
           <p:cNvSpPr/>
           <p:nvPr/>
@@ -15134,7 +15322,7 @@
 </p:sld>
 </file>
 
-<file path=ppt/slides/slide35.xml><?xml version="1.0" encoding="utf-8"?>
+<file path=ppt/slides/slide36.xml><?xml version="1.0" encoding="utf-8"?>
 <p:sld xmlns:a="http://schemas.openxmlformats.org/drawingml/2006/main" xmlns:r="http://schemas.openxmlformats.org/officeDocument/2006/relationships" xmlns:p="http://schemas.openxmlformats.org/presentationml/2006/main">
   <p:cSld>
     <p:spTree>
@@ -15228,7 +15416,7 @@
 </p:sld>
 </file>
 
-<file path=ppt/slides/slide36.xml><?xml version="1.0" encoding="utf-8"?>
+<file path=ppt/slides/slide37.xml><?xml version="1.0" encoding="utf-8"?>
 <p:sld xmlns:a="http://schemas.openxmlformats.org/drawingml/2006/main" xmlns:r="http://schemas.openxmlformats.org/officeDocument/2006/relationships" xmlns:p="http://schemas.openxmlformats.org/presentationml/2006/main">
   <p:cSld>
     <p:spTree>
@@ -19558,17 +19746,6 @@
 </file>
 
 <file path=customXml/item1.xml><?xml version="1.0" encoding="utf-8"?>
-<p:properties xmlns:p="http://schemas.microsoft.com/office/2006/metadata/properties" xmlns:xsi="http://www.w3.org/2001/XMLSchema-instance" xmlns:pc="http://schemas.microsoft.com/office/infopath/2007/PartnerControls">
-  <documentManagement>
-    <Version_x0020_No_x002e_ xmlns="5b0b727f-9d55-4674-90df-9368557459d7">1.0</Version_x0020_No_x002e_>
-    <Document_x0020_Summary xmlns="5b0b727f-9d55-4674-90df-9368557459d7">The blank ppt template is used for preparing presentations  aligned with CitiusTech powerpoint guidelines. </Document_x0020_Summary>
-    <Rel_x0020_Date xmlns="3f0a5add-00cc-4c5e-8a54-6b524d8608b8">2012-11-11T18:30:00+00:00</Rel_x0020_Date>
-    <Version_x0020_No xmlns="5b0b727f-9d55-4674-90df-9368557459d7">1.0</Version_x0020_No>
-  </documentManagement>
-</p:properties>
-</file>
-
-<file path=customXml/item2.xml><?xml version="1.0" encoding="utf-8"?>
 <ct:contentTypeSchema xmlns:ct="http://schemas.microsoft.com/office/2006/metadata/contentType" xmlns:ma="http://schemas.microsoft.com/office/2006/metadata/properties/metaAttributes" ct:_="" ma:_="" ma:contentTypeName="Document" ma:contentTypeID="0x010100A1A300ECBFD16143AC8B3E6881EC19E4" ma:contentTypeVersion="6" ma:contentTypeDescription="Create a new document." ma:contentTypeScope="" ma:versionID="3a3d1758f0533e4a63e0706672344207">
   <xsd:schema xmlns:xsd="http://www.w3.org/2001/XMLSchema" xmlns:xs="http://www.w3.org/2001/XMLSchema" xmlns:p="http://schemas.microsoft.com/office/2006/metadata/properties" xmlns:ns2="5b0b727f-9d55-4674-90df-9368557459d7" xmlns:ns3="3f0a5add-00cc-4c5e-8a54-6b524d8608b8" targetNamespace="http://schemas.microsoft.com/office/2006/metadata/properties" ma:root="true" ma:fieldsID="0b9e00dfdebadb8b416f9476785e5085" ns2:_="" ns3:_="">
     <xsd:import namespace="5b0b727f-9d55-4674-90df-9368557459d7"/>
@@ -19723,6 +19900,17 @@
 </ct:contentTypeSchema>
 </file>
 
+<file path=customXml/item2.xml><?xml version="1.0" encoding="utf-8"?>
+<p:properties xmlns:p="http://schemas.microsoft.com/office/2006/metadata/properties" xmlns:xsi="http://www.w3.org/2001/XMLSchema-instance" xmlns:pc="http://schemas.microsoft.com/office/infopath/2007/PartnerControls">
+  <documentManagement>
+    <Version_x0020_No_x002e_ xmlns="5b0b727f-9d55-4674-90df-9368557459d7">1.0</Version_x0020_No_x002e_>
+    <Document_x0020_Summary xmlns="5b0b727f-9d55-4674-90df-9368557459d7">The blank ppt template is used for preparing presentations  aligned with CitiusTech powerpoint guidelines. </Document_x0020_Summary>
+    <Rel_x0020_Date xmlns="3f0a5add-00cc-4c5e-8a54-6b524d8608b8">2012-11-11T18:30:00+00:00</Rel_x0020_Date>
+    <Version_x0020_No xmlns="5b0b727f-9d55-4674-90df-9368557459d7">1.0</Version_x0020_No>
+  </documentManagement>
+</p:properties>
+</file>
+
 <file path=customXml/item3.xml><?xml version="1.0" encoding="utf-8"?>
 <?mso-contentType ?>
 <FormTemplates xmlns="http://schemas.microsoft.com/sharepoint/v3/contenttype/forms">
@@ -19733,23 +19921,6 @@
 </file>
 
 <file path=customXml/itemProps1.xml><?xml version="1.0" encoding="utf-8"?>
-<ds:datastoreItem xmlns:ds="http://schemas.openxmlformats.org/officeDocument/2006/customXml" ds:itemID="{B0006A50-4E7D-423B-9555-E21005059E29}">
-  <ds:schemaRefs>
-    <ds:schemaRef ds:uri="http://schemas.microsoft.com/office/2006/documentManagement/types"/>
-    <ds:schemaRef ds:uri="http://schemas.microsoft.com/office/2006/metadata/properties"/>
-    <ds:schemaRef ds:uri="http://www.w3.org/XML/1998/namespace"/>
-    <ds:schemaRef ds:uri="http://purl.org/dc/terms/"/>
-    <ds:schemaRef ds:uri="http://schemas.openxmlformats.org/package/2006/metadata/core-properties"/>
-    <ds:schemaRef ds:uri="http://purl.org/dc/dcmitype/"/>
-    <ds:schemaRef ds:uri="3f0a5add-00cc-4c5e-8a54-6b524d8608b8"/>
-    <ds:schemaRef ds:uri="http://purl.org/dc/elements/1.1/"/>
-    <ds:schemaRef ds:uri="http://schemas.microsoft.com/office/infopath/2007/PartnerControls"/>
-    <ds:schemaRef ds:uri="5b0b727f-9d55-4674-90df-9368557459d7"/>
-  </ds:schemaRefs>
-</ds:datastoreItem>
-</file>
-
-<file path=customXml/itemProps2.xml><?xml version="1.0" encoding="utf-8"?>
 <ds:datastoreItem xmlns:ds="http://schemas.openxmlformats.org/officeDocument/2006/customXml" ds:itemID="{20271C12-EDC3-4E9F-917F-B5906E905FBC}">
   <ds:schemaRefs>
     <ds:schemaRef ds:uri="http://schemas.microsoft.com/office/2006/metadata/contentType"/>
@@ -19768,6 +19939,23 @@
 </ds:datastoreItem>
 </file>
 
+<file path=customXml/itemProps2.xml><?xml version="1.0" encoding="utf-8"?>
+<ds:datastoreItem xmlns:ds="http://schemas.openxmlformats.org/officeDocument/2006/customXml" ds:itemID="{B0006A50-4E7D-423B-9555-E21005059E29}">
+  <ds:schemaRefs>
+    <ds:schemaRef ds:uri="http://schemas.microsoft.com/office/2006/documentManagement/types"/>
+    <ds:schemaRef ds:uri="http://schemas.microsoft.com/office/2006/metadata/properties"/>
+    <ds:schemaRef ds:uri="http://www.w3.org/XML/1998/namespace"/>
+    <ds:schemaRef ds:uri="http://purl.org/dc/terms/"/>
+    <ds:schemaRef ds:uri="http://schemas.openxmlformats.org/package/2006/metadata/core-properties"/>
+    <ds:schemaRef ds:uri="http://purl.org/dc/dcmitype/"/>
+    <ds:schemaRef ds:uri="3f0a5add-00cc-4c5e-8a54-6b524d8608b8"/>
+    <ds:schemaRef ds:uri="http://purl.org/dc/elements/1.1/"/>
+    <ds:schemaRef ds:uri="http://schemas.microsoft.com/office/infopath/2007/PartnerControls"/>
+    <ds:schemaRef ds:uri="5b0b727f-9d55-4674-90df-9368557459d7"/>
+  </ds:schemaRefs>
+</ds:datastoreItem>
+</file>
+
 <file path=customXml/itemProps3.xml><?xml version="1.0" encoding="utf-8"?>
 <ds:datastoreItem xmlns:ds="http://schemas.openxmlformats.org/officeDocument/2006/customXml" ds:itemID="{2215CF3E-B7B2-4757-A9A7-BF8CDE2155B6}">
   <ds:schemaRefs>

--- a/Material/ppt/3_Python_Functions.pptx
+++ b/Material/ppt/3_Python_Functions.pptx
@@ -5,10 +5,10 @@
     <p:sldMasterId id="2147483648" r:id="rId4"/>
   </p:sldMasterIdLst>
   <p:notesMasterIdLst>
-    <p:notesMasterId r:id="rId42"/>
+    <p:notesMasterId r:id="rId43"/>
   </p:notesMasterIdLst>
   <p:handoutMasterIdLst>
-    <p:handoutMasterId r:id="rId43"/>
+    <p:handoutMasterId r:id="rId44"/>
   </p:handoutMasterIdLst>
   <p:sldIdLst>
     <p:sldId id="281" r:id="rId5"/>
@@ -45,14 +45,15 @@
     <p:sldId id="370" r:id="rId36"/>
     <p:sldId id="371" r:id="rId37"/>
     <p:sldId id="377" r:id="rId38"/>
-    <p:sldId id="367" r:id="rId39"/>
-    <p:sldId id="322" r:id="rId40"/>
-    <p:sldId id="342" r:id="rId41"/>
+    <p:sldId id="378" r:id="rId39"/>
+    <p:sldId id="367" r:id="rId40"/>
+    <p:sldId id="322" r:id="rId41"/>
+    <p:sldId id="342" r:id="rId42"/>
   </p:sldIdLst>
   <p:sldSz cx="9144000" cy="6858000" type="screen4x3"/>
   <p:notesSz cx="6858000" cy="9144000"/>
   <p:custDataLst>
-    <p:tags r:id="rId44"/>
+    <p:tags r:id="rId45"/>
   </p:custDataLst>
   <p:defaultTextStyle>
     <a:defPPr>
@@ -188,6 +189,7 @@
             <p14:sldId id="370"/>
             <p14:sldId id="371"/>
             <p14:sldId id="377"/>
+            <p14:sldId id="378"/>
             <p14:sldId id="367"/>
             <p14:sldId id="322"/>
             <p14:sldId id="342"/>
@@ -14656,12 +14658,12 @@
           </a:p>
           <a:p>
             <a:r>
-              <a:rPr lang="en-US"/>
+              <a:rPr lang="en-US" dirty="0"/>
               <a:t>print(r)</a:t>
             </a:r>
           </a:p>
           <a:p>
-            <a:endParaRPr lang="en-US"/>
+            <a:endParaRPr lang="en-US" dirty="0"/>
           </a:p>
         </p:txBody>
       </p:sp>
@@ -14679,6 +14681,192 @@
 </file>
 
 <file path=ppt/slides/slide35.xml><?xml version="1.0" encoding="utf-8"?>
+<p:sld xmlns:a="http://schemas.openxmlformats.org/drawingml/2006/main" xmlns:r="http://schemas.openxmlformats.org/officeDocument/2006/relationships" xmlns:p="http://schemas.openxmlformats.org/presentationml/2006/main">
+  <p:cSld>
+    <p:spTree>
+      <p:nvGrpSpPr>
+        <p:cNvPr id="1" name=""/>
+        <p:cNvGrpSpPr/>
+        <p:nvPr/>
+      </p:nvGrpSpPr>
+      <p:grpSpPr>
+        <a:xfrm>
+          <a:off x="0" y="0"/>
+          <a:ext cx="0" cy="0"/>
+          <a:chOff x="0" y="0"/>
+          <a:chExt cx="0" cy="0"/>
+        </a:xfrm>
+      </p:grpSpPr>
+      <p:sp>
+        <p:nvSpPr>
+          <p:cNvPr id="2" name="Title 1">
+            <a:extLst>
+              <a:ext uri="{FF2B5EF4-FFF2-40B4-BE49-F238E27FC236}">
+                <a16:creationId xmlns:a16="http://schemas.microsoft.com/office/drawing/2014/main" id="{1F4C1FEB-DFD4-7D3C-08F9-544403FD3603}"/>
+              </a:ext>
+            </a:extLst>
+          </p:cNvPr>
+          <p:cNvSpPr>
+            <a:spLocks noGrp="1"/>
+          </p:cNvSpPr>
+          <p:nvPr>
+            <p:ph type="title"/>
+          </p:nvPr>
+        </p:nvSpPr>
+        <p:spPr/>
+        <p:txBody>
+          <a:bodyPr/>
+          <a:lstStyle/>
+          <a:p>
+            <a:endParaRPr lang="en-US"/>
+          </a:p>
+        </p:txBody>
+      </p:sp>
+      <p:sp>
+        <p:nvSpPr>
+          <p:cNvPr id="3" name="Text Placeholder 2">
+            <a:extLst>
+              <a:ext uri="{FF2B5EF4-FFF2-40B4-BE49-F238E27FC236}">
+                <a16:creationId xmlns:a16="http://schemas.microsoft.com/office/drawing/2014/main" id="{12C0F697-5C56-45C1-D4B6-901246F4A07B}"/>
+              </a:ext>
+            </a:extLst>
+          </p:cNvPr>
+          <p:cNvSpPr>
+            <a:spLocks noGrp="1"/>
+          </p:cNvSpPr>
+          <p:nvPr>
+            <p:ph type="body" sz="quarter" idx="10"/>
+          </p:nvPr>
+        </p:nvSpPr>
+        <p:spPr/>
+        <p:txBody>
+          <a:bodyPr>
+            <a:normAutofit fontScale="92500" lnSpcReduction="10000"/>
+          </a:bodyPr>
+          <a:lstStyle/>
+          <a:p>
+            <a:r>
+              <a:rPr lang="en-US" dirty="0"/>
+              <a:t>1. Create a list as follows with every word from the sentence, use map</a:t>
+            </a:r>
+          </a:p>
+          <a:p>
+            <a:r>
+              <a:rPr lang="en-US" dirty="0"/>
+              <a:t>Ex: 'Python lambdas are cool'</a:t>
+            </a:r>
+          </a:p>
+          <a:p>
+            <a:r>
+              <a:rPr lang="en-US" dirty="0"/>
+              <a:t>Output:</a:t>
+            </a:r>
+          </a:p>
+          <a:p>
+            <a:r>
+              <a:rPr lang="en-US" dirty="0"/>
+              <a:t>['PYTHON','python',6]</a:t>
+            </a:r>
+          </a:p>
+          <a:p>
+            <a:r>
+              <a:rPr lang="en-US" dirty="0"/>
+              <a:t>['LAMBDAS','lambdas',7]</a:t>
+            </a:r>
+          </a:p>
+          <a:p>
+            <a:r>
+              <a:rPr lang="en-US" dirty="0"/>
+              <a:t>['ARE','are',3]</a:t>
+            </a:r>
+          </a:p>
+          <a:p>
+            <a:r>
+              <a:rPr lang="en-US" dirty="0"/>
+              <a:t>['COOL','cool',4]</a:t>
+            </a:r>
+          </a:p>
+          <a:p>
+            <a:r>
+              <a:rPr lang="en-US" dirty="0"/>
+              <a:t>'''</a:t>
+            </a:r>
+          </a:p>
+          <a:p>
+            <a:r>
+              <a:rPr lang="en-US" dirty="0"/>
+              <a:t>sentence = 'Python lambdas are cool'</a:t>
+            </a:r>
+          </a:p>
+          <a:p>
+            <a:r>
+              <a:rPr lang="en-US" dirty="0"/>
+              <a:t>res = map(lambda word: [</a:t>
+            </a:r>
+            <a:r>
+              <a:rPr lang="en-US" dirty="0" err="1"/>
+              <a:t>word.upper</a:t>
+            </a:r>
+            <a:r>
+              <a:rPr lang="en-US" dirty="0"/>
+              <a:t>(), </a:t>
+            </a:r>
+            <a:r>
+              <a:rPr lang="en-US" dirty="0" err="1"/>
+              <a:t>word.lower</a:t>
+            </a:r>
+            <a:r>
+              <a:rPr lang="en-US" dirty="0"/>
+              <a:t>(), </a:t>
+            </a:r>
+            <a:r>
+              <a:rPr lang="en-US" dirty="0" err="1"/>
+              <a:t>len</a:t>
+            </a:r>
+            <a:r>
+              <a:rPr lang="en-US" dirty="0"/>
+              <a:t>(word)], </a:t>
+            </a:r>
+            <a:r>
+              <a:rPr lang="en-US" dirty="0" err="1"/>
+              <a:t>sentence.split</a:t>
+            </a:r>
+            <a:r>
+              <a:rPr lang="en-US" dirty="0"/>
+              <a:t>())</a:t>
+            </a:r>
+          </a:p>
+          <a:p>
+            <a:r>
+              <a:rPr lang="en-US" dirty="0"/>
+              <a:t>for r in res:</a:t>
+            </a:r>
+          </a:p>
+          <a:p>
+            <a:r>
+              <a:rPr lang="en-US" dirty="0"/>
+              <a:t>print(r)</a:t>
+            </a:r>
+          </a:p>
+          <a:p>
+            <a:endParaRPr lang="en-US" dirty="0"/>
+          </a:p>
+        </p:txBody>
+      </p:sp>
+    </p:spTree>
+    <p:extLst>
+      <p:ext uri="{BB962C8B-B14F-4D97-AF65-F5344CB8AC3E}">
+        <p14:creationId xmlns:p14="http://schemas.microsoft.com/office/powerpoint/2010/main" val="1004964169"/>
+      </p:ext>
+    </p:extLst>
+  </p:cSld>
+  <p:clrMapOvr>
+    <a:masterClrMapping/>
+  </p:clrMapOvr>
+</p:sld>
+</file>
+
+<file path=ppt/slides/slide36.xml><?xml version="1.0" encoding="utf-8"?>
 <p:sld xmlns:a="http://schemas.openxmlformats.org/drawingml/2006/main" xmlns:r="http://schemas.openxmlformats.org/officeDocument/2006/relationships" xmlns:p="http://schemas.openxmlformats.org/presentationml/2006/main">
   <p:cSld>
     <p:spTree>
@@ -15322,7 +15510,7 @@
 </p:sld>
 </file>
 
-<file path=ppt/slides/slide36.xml><?xml version="1.0" encoding="utf-8"?>
+<file path=ppt/slides/slide37.xml><?xml version="1.0" encoding="utf-8"?>
 <p:sld xmlns:a="http://schemas.openxmlformats.org/drawingml/2006/main" xmlns:r="http://schemas.openxmlformats.org/officeDocument/2006/relationships" xmlns:p="http://schemas.openxmlformats.org/presentationml/2006/main">
   <p:cSld>
     <p:spTree>
@@ -15416,7 +15604,7 @@
 </p:sld>
 </file>
 
-<file path=ppt/slides/slide37.xml><?xml version="1.0" encoding="utf-8"?>
+<file path=ppt/slides/slide38.xml><?xml version="1.0" encoding="utf-8"?>
 <p:sld xmlns:a="http://schemas.openxmlformats.org/drawingml/2006/main" xmlns:r="http://schemas.openxmlformats.org/officeDocument/2006/relationships" xmlns:p="http://schemas.openxmlformats.org/presentationml/2006/main">
   <p:cSld>
     <p:spTree>
